--- a/Presentation/DistributedFileSystems_Lucaci_Straub.pptx
+++ b/Presentation/DistributedFileSystems_Lucaci_Straub.pptx
@@ -226,7 +226,7 @@
           <a:p>
             <a:fld id="{78BE29F3-6F59-4618-8DD2-3442BAF97DCD}" type="datetimeFigureOut">
               <a:rPr lang="de-DE" smtClean="0"/>
-              <a:t>05.05.2015</a:t>
+              <a:t>06.05.2015</a:t>
             </a:fld>
             <a:endParaRPr lang="de-DE"/>
           </a:p>
@@ -20151,13 +20151,13 @@
         </p:nvSpPr>
         <p:spPr>
           <a:xfrm>
-            <a:off x="571500" y="1439618"/>
-            <a:ext cx="10782300" cy="4916732"/>
+            <a:off x="571500" y="1439617"/>
+            <a:ext cx="10782300" cy="5165899"/>
           </a:xfrm>
         </p:spPr>
         <p:txBody>
           <a:bodyPr>
-            <a:normAutofit lnSpcReduction="10000"/>
+            <a:normAutofit/>
           </a:bodyPr>
           <a:lstStyle/>
           <a:p>
@@ -20217,8 +20217,59 @@
           <a:p>
             <a:pPr lvl="1"/>
             <a:r>
+              <a:rPr lang="de-DE" dirty="0" smtClean="0"/>
+              <a:t>Replication </a:t>
+            </a:r>
+            <a:r>
               <a:rPr lang="de-DE" dirty="0" err="1" smtClean="0"/>
-              <a:t>Optimize</a:t>
+              <a:t>factor</a:t>
+            </a:r>
+            <a:endParaRPr lang="de-DE" dirty="0" smtClean="0"/>
+          </a:p>
+          <a:p>
+            <a:pPr lvl="1"/>
+            <a:r>
+              <a:rPr lang="de-DE" dirty="0" smtClean="0"/>
+              <a:t>Rack </a:t>
+            </a:r>
+            <a:r>
+              <a:rPr lang="de-DE" dirty="0" err="1" smtClean="0"/>
+              <a:t>awareness</a:t>
+            </a:r>
+            <a:endParaRPr lang="de-DE" dirty="0" smtClean="0"/>
+          </a:p>
+          <a:p>
+            <a:pPr lvl="1"/>
+            <a:endParaRPr lang="de-DE" dirty="0"/>
+          </a:p>
+          <a:p>
+            <a:r>
+              <a:rPr lang="de-DE" b="1" dirty="0" err="1" smtClean="0"/>
+              <a:t>Balancer</a:t>
+            </a:r>
+            <a:r>
+              <a:rPr lang="de-DE" dirty="0" smtClean="0"/>
+              <a:t> (@</a:t>
+            </a:r>
+            <a:r>
+              <a:rPr lang="de-DE" dirty="0" err="1" smtClean="0"/>
+              <a:t>NameNode</a:t>
+            </a:r>
+            <a:r>
+              <a:rPr lang="de-DE" dirty="0" smtClean="0"/>
+              <a:t>)</a:t>
+            </a:r>
+            <a:endParaRPr lang="de-DE" dirty="0"/>
+          </a:p>
+          <a:p>
+            <a:pPr lvl="1"/>
+            <a:r>
+              <a:rPr lang="de-DE" dirty="0" smtClean="0"/>
+              <a:t>Disk </a:t>
+            </a:r>
+            <a:r>
+              <a:rPr lang="de-DE" dirty="0" err="1" smtClean="0"/>
+              <a:t>space</a:t>
             </a:r>
             <a:r>
               <a:rPr lang="de-DE" dirty="0" smtClean="0"/>
@@ -20226,7 +20277,15 @@
             </a:r>
             <a:r>
               <a:rPr lang="de-DE" dirty="0" err="1" smtClean="0"/>
-              <a:t>disk</a:t>
+              <a:t>usage</a:t>
+            </a:r>
+            <a:endParaRPr lang="de-DE" dirty="0" smtClean="0"/>
+          </a:p>
+          <a:p>
+            <a:pPr lvl="1"/>
+            <a:r>
+              <a:rPr lang="de-DE" dirty="0" err="1" smtClean="0"/>
+              <a:t>Moves</a:t>
             </a:r>
             <a:r>
               <a:rPr lang="de-DE" dirty="0" smtClean="0"/>
@@ -20234,31 +20293,7 @@
             </a:r>
             <a:r>
               <a:rPr lang="de-DE" dirty="0" err="1" smtClean="0"/>
-              <a:t>usage</a:t>
-            </a:r>
-            <a:endParaRPr lang="de-DE" dirty="0" smtClean="0"/>
-          </a:p>
-          <a:p>
-            <a:pPr lvl="1"/>
-            <a:r>
-              <a:rPr lang="de-DE" dirty="0" smtClean="0"/>
-              <a:t>Replication </a:t>
-            </a:r>
-            <a:r>
-              <a:rPr lang="de-DE" dirty="0" err="1" smtClean="0"/>
-              <a:t>factor</a:t>
-            </a:r>
-            <a:endParaRPr lang="de-DE" dirty="0" smtClean="0"/>
-          </a:p>
-          <a:p>
-            <a:pPr lvl="1"/>
-            <a:r>
-              <a:rPr lang="de-DE" dirty="0" smtClean="0"/>
-              <a:t>Rack </a:t>
-            </a:r>
-            <a:r>
-              <a:rPr lang="de-DE" dirty="0" err="1" smtClean="0"/>
-              <a:t>awareness</a:t>
+              <a:t>replicas</a:t>
             </a:r>
             <a:endParaRPr lang="de-DE" dirty="0" smtClean="0"/>
           </a:p>
@@ -20268,87 +20303,35 @@
           </a:p>
           <a:p>
             <a:r>
+              <a:rPr lang="de-DE" b="1" dirty="0"/>
+              <a:t>Block </a:t>
+            </a:r>
+            <a:r>
               <a:rPr lang="de-DE" b="1" dirty="0" err="1" smtClean="0"/>
-              <a:t>Balancer</a:t>
+              <a:t>scanner</a:t>
+            </a:r>
+            <a:r>
+              <a:rPr lang="de-DE" b="1" dirty="0" smtClean="0"/>
+              <a:t> </a:t>
             </a:r>
             <a:r>
               <a:rPr lang="de-DE" dirty="0" smtClean="0"/>
-              <a:t> (@</a:t>
+              <a:t>(@</a:t>
             </a:r>
             <a:r>
               <a:rPr lang="de-DE" dirty="0" err="1" smtClean="0"/>
-              <a:t>NameNode</a:t>
+              <a:t>DataNode</a:t>
             </a:r>
             <a:r>
               <a:rPr lang="de-DE" dirty="0" smtClean="0"/>
               <a:t>)</a:t>
             </a:r>
-            <a:endParaRPr lang="de-DE" dirty="0"/>
           </a:p>
           <a:p>
             <a:pPr lvl="1"/>
             <a:r>
-              <a:rPr lang="de-DE" dirty="0" smtClean="0"/>
-              <a:t>Disk </a:t>
-            </a:r>
-            <a:r>
               <a:rPr lang="de-DE" dirty="0" err="1" smtClean="0"/>
-              <a:t>space</a:t>
-            </a:r>
-            <a:r>
-              <a:rPr lang="de-DE" dirty="0" smtClean="0"/>
-              <a:t> </a:t>
-            </a:r>
-            <a:r>
-              <a:rPr lang="de-DE" dirty="0" err="1" smtClean="0"/>
-              <a:t>usage</a:t>
-            </a:r>
-            <a:endParaRPr lang="de-DE" dirty="0" smtClean="0"/>
-          </a:p>
-          <a:p>
-            <a:pPr lvl="1"/>
-            <a:r>
-              <a:rPr lang="de-DE" dirty="0" err="1" smtClean="0"/>
-              <a:t>Moves</a:t>
-            </a:r>
-            <a:r>
-              <a:rPr lang="de-DE" dirty="0" smtClean="0"/>
-              <a:t> </a:t>
-            </a:r>
-            <a:r>
-              <a:rPr lang="de-DE" dirty="0" err="1" smtClean="0"/>
-              <a:t>replicas</a:t>
-            </a:r>
-            <a:endParaRPr lang="de-DE" dirty="0" smtClean="0"/>
-          </a:p>
-          <a:p>
-            <a:pPr lvl="1"/>
-            <a:endParaRPr lang="de-DE" dirty="0"/>
-          </a:p>
-          <a:p>
-            <a:r>
-              <a:rPr lang="de-DE" b="1" dirty="0"/>
-              <a:t>Block </a:t>
-            </a:r>
-            <a:r>
-              <a:rPr lang="de-DE" b="1" dirty="0" err="1" smtClean="0"/>
-              <a:t>scanner</a:t>
-            </a:r>
-            <a:r>
-              <a:rPr lang="de-DE" b="1" dirty="0" smtClean="0"/>
-              <a:t> </a:t>
-            </a:r>
-            <a:r>
-              <a:rPr lang="de-DE" dirty="0" smtClean="0"/>
-              <a:t>(@</a:t>
-            </a:r>
-            <a:r>
-              <a:rPr lang="de-DE" dirty="0" err="1" smtClean="0"/>
-              <a:t>DataNode</a:t>
-            </a:r>
-            <a:r>
-              <a:rPr lang="de-DE" dirty="0" smtClean="0"/>
-              <a:t>)</a:t>
+              <a:t>checksum</a:t>
             </a:r>
             <a:endParaRPr lang="de-DE" dirty="0"/>
           </a:p>
@@ -20489,22 +20472,7 @@
                     </a:outerShdw>
                   </a:effectLst>
                 </a:rPr>
-                <a:t>place the </a:t>
-              </a:r>
-              <a:r>
-                <a:rPr lang="en-US" sz="2400" b="1" dirty="0" smtClean="0">
-                  <a:solidFill>
-                    <a:srgbClr val="C00000"/>
-                  </a:solidFill>
-                  <a:effectLst>
-                    <a:outerShdw blurRad="38100" dist="38100" dir="2700000" algn="tl">
-                      <a:srgbClr val="000000">
-                        <a:alpha val="43137"/>
-                      </a:srgbClr>
-                    </a:outerShdw>
-                  </a:effectLst>
-                </a:rPr>
-                <a:t>replicas?</a:t>
+                <a:t>place the replicas?</a:t>
               </a:r>
               <a:endParaRPr lang="en-US" b="1" dirty="0">
                 <a:solidFill>
@@ -22233,15 +22201,33 @@
                                   </p:childTnLst>
                                 </p:cTn>
                               </p:par>
+                            </p:childTnLst>
+                          </p:cTn>
+                        </p:par>
+                      </p:childTnLst>
+                    </p:cTn>
+                  </p:par>
+                  <p:par>
+                    <p:cTn id="33" fill="hold">
+                      <p:stCondLst>
+                        <p:cond delay="indefinite"/>
+                      </p:stCondLst>
+                      <p:childTnLst>
+                        <p:par>
+                          <p:cTn id="34" fill="hold">
+                            <p:stCondLst>
+                              <p:cond delay="0"/>
+                            </p:stCondLst>
+                            <p:childTnLst>
                               <p:par>
-                                <p:cTn id="33" presetID="10" presetClass="entr" presetSubtype="0" fill="hold" nodeType="withEffect">
+                                <p:cTn id="35" presetID="10" presetClass="entr" presetSubtype="0" fill="hold" nodeType="clickEffect">
                                   <p:stCondLst>
                                     <p:cond delay="0"/>
                                   </p:stCondLst>
                                   <p:childTnLst>
                                     <p:set>
                                       <p:cBhvr>
-                                        <p:cTn id="34" dur="1" fill="hold">
+                                        <p:cTn id="36" dur="1" fill="hold">
                                           <p:stCondLst>
                                             <p:cond delay="0"/>
                                           </p:stCondLst>
@@ -22249,7 +22235,7 @@
                                         <p:tgtEl>
                                           <p:spTgt spid="3">
                                             <p:txEl>
-                                              <p:pRg st="5" end="5"/>
+                                              <p:pRg st="6" end="6"/>
                                             </p:txEl>
                                           </p:spTgt>
                                         </p:tgtEl>
@@ -22263,11 +22249,11 @@
                                     </p:set>
                                     <p:animEffect transition="in" filter="fade">
                                       <p:cBhvr>
-                                        <p:cTn id="35" dur="500"/>
+                                        <p:cTn id="37" dur="500"/>
                                         <p:tgtEl>
                                           <p:spTgt spid="3">
                                             <p:txEl>
-                                              <p:pRg st="5" end="5"/>
+                                              <p:pRg st="6" end="6"/>
                                             </p:txEl>
                                           </p:spTgt>
                                         </p:tgtEl>
@@ -22276,26 +22262,8 @@
                                   </p:childTnLst>
                                 </p:cTn>
                               </p:par>
-                            </p:childTnLst>
-                          </p:cTn>
-                        </p:par>
-                      </p:childTnLst>
-                    </p:cTn>
-                  </p:par>
-                  <p:par>
-                    <p:cTn id="36" fill="hold">
-                      <p:stCondLst>
-                        <p:cond delay="indefinite"/>
-                      </p:stCondLst>
-                      <p:childTnLst>
-                        <p:par>
-                          <p:cTn id="37" fill="hold">
-                            <p:stCondLst>
-                              <p:cond delay="0"/>
-                            </p:stCondLst>
-                            <p:childTnLst>
                               <p:par>
-                                <p:cTn id="38" presetID="10" presetClass="entr" presetSubtype="0" fill="hold" nodeType="clickEffect">
+                                <p:cTn id="38" presetID="10" presetClass="entr" presetSubtype="0" fill="hold" nodeType="withEffect">
                                   <p:stCondLst>
                                     <p:cond delay="0"/>
                                   </p:stCondLst>
@@ -22380,15 +22348,33 @@
                                   </p:childTnLst>
                                 </p:cTn>
                               </p:par>
+                            </p:childTnLst>
+                          </p:cTn>
+                        </p:par>
+                      </p:childTnLst>
+                    </p:cTn>
+                  </p:par>
+                  <p:par>
+                    <p:cTn id="44" fill="hold">
+                      <p:stCondLst>
+                        <p:cond delay="indefinite"/>
+                      </p:stCondLst>
+                      <p:childTnLst>
+                        <p:par>
+                          <p:cTn id="45" fill="hold">
+                            <p:stCondLst>
+                              <p:cond delay="0"/>
+                            </p:stCondLst>
+                            <p:childTnLst>
                               <p:par>
-                                <p:cTn id="44" presetID="10" presetClass="entr" presetSubtype="0" fill="hold" nodeType="withEffect">
+                                <p:cTn id="46" presetID="10" presetClass="entr" presetSubtype="0" fill="hold" nodeType="clickEffect">
                                   <p:stCondLst>
                                     <p:cond delay="0"/>
                                   </p:stCondLst>
                                   <p:childTnLst>
                                     <p:set>
                                       <p:cBhvr>
-                                        <p:cTn id="45" dur="1" fill="hold">
+                                        <p:cTn id="47" dur="1" fill="hold">
                                           <p:stCondLst>
                                             <p:cond delay="0"/>
                                           </p:stCondLst>
@@ -22396,7 +22382,7 @@
                                         <p:tgtEl>
                                           <p:spTgt spid="3">
                                             <p:txEl>
-                                              <p:pRg st="9" end="9"/>
+                                              <p:pRg st="10" end="10"/>
                                             </p:txEl>
                                           </p:spTgt>
                                         </p:tgtEl>
@@ -22410,11 +22396,11 @@
                                     </p:set>
                                     <p:animEffect transition="in" filter="fade">
                                       <p:cBhvr>
-                                        <p:cTn id="46" dur="500"/>
+                                        <p:cTn id="48" dur="500"/>
                                         <p:tgtEl>
                                           <p:spTgt spid="3">
                                             <p:txEl>
-                                              <p:pRg st="9" end="9"/>
+                                              <p:pRg st="10" end="10"/>
                                             </p:txEl>
                                           </p:spTgt>
                                         </p:tgtEl>
@@ -22430,26 +22416,26 @@
                     </p:cTn>
                   </p:par>
                   <p:par>
-                    <p:cTn id="47" fill="hold">
+                    <p:cTn id="49" fill="hold">
                       <p:stCondLst>
                         <p:cond delay="indefinite"/>
                       </p:stCondLst>
                       <p:childTnLst>
                         <p:par>
-                          <p:cTn id="48" fill="hold">
+                          <p:cTn id="50" fill="hold">
                             <p:stCondLst>
                               <p:cond delay="0"/>
                             </p:stCondLst>
                             <p:childTnLst>
                               <p:par>
-                                <p:cTn id="49" presetID="10" presetClass="entr" presetSubtype="0" fill="hold" nodeType="clickEffect">
+                                <p:cTn id="51" presetID="10" presetClass="entr" presetSubtype="0" fill="hold" nodeType="clickEffect">
                                   <p:stCondLst>
                                     <p:cond delay="0"/>
                                   </p:stCondLst>
                                   <p:childTnLst>
                                     <p:set>
                                       <p:cBhvr>
-                                        <p:cTn id="50" dur="1" fill="hold">
+                                        <p:cTn id="52" dur="1" fill="hold">
                                           <p:stCondLst>
                                             <p:cond delay="0"/>
                                           </p:stCondLst>
@@ -22471,7 +22457,7 @@
                                     </p:set>
                                     <p:animEffect transition="in" filter="fade">
                                       <p:cBhvr>
-                                        <p:cTn id="51" dur="500"/>
+                                        <p:cTn id="53" dur="500"/>
                                         <p:tgtEl>
                                           <p:spTgt spid="3">
                                             <p:txEl>
@@ -23092,11 +23078,7 @@
             </a:r>
             <a:r>
               <a:rPr lang="de-DE" dirty="0" smtClean="0"/>
-              <a:t>, </a:t>
-            </a:r>
-            <a:r>
-              <a:rPr lang="de-DE" dirty="0" smtClean="0"/>
-              <a:t>Rest</a:t>
+              <a:t>, Rest</a:t>
             </a:r>
           </a:p>
           <a:p>
@@ -28111,7 +28093,15 @@
           <a:p>
             <a:r>
               <a:rPr lang="en-US" dirty="0" smtClean="0"/>
-              <a:t>The problem!!! &gt;&gt;=  TB/PB of data</a:t>
+              <a:t>The problem!!! &gt;&gt;=  </a:t>
+            </a:r>
+            <a:r>
+              <a:rPr lang="en-US" dirty="0" err="1" smtClean="0"/>
+              <a:t>PetaBytes</a:t>
+            </a:r>
+            <a:r>
+              <a:rPr lang="en-US" dirty="0" smtClean="0"/>
+              <a:t> of data</a:t>
             </a:r>
             <a:endParaRPr lang="en-US" dirty="0"/>
           </a:p>
